--- a/4 ⚙️ Solution/30 🫥 Agents/05 🆔 Identities/00 📎 Assets/🆔 .pptx
+++ b/4 ⚙️ Solution/30 🫥 Agents/05 🆔 Identities/00 📎 Assets/🆔 .pptx
@@ -723,7 +723,7 @@
           <a:p>
             <a:fld id="{542F96DF-134D-4F6A-BFA6-E032E504EEEB}" type="datetime8">
               <a:rPr lang="en-US" smtClean="0"/>
-              <a:t>8/29/25 12:01 AM</a:t>
+              <a:t>9/26/25 9:18 PM</a:t>
             </a:fld>
             <a:endParaRPr lang="en-US" dirty="0"/>
           </a:p>
@@ -930,7 +930,7 @@
           <a:p>
             <a:fld id="{542F96DF-134D-4F6A-BFA6-E032E504EEEB}" type="datetime8">
               <a:rPr lang="en-US" smtClean="0"/>
-              <a:t>8/29/25 12:01 AM</a:t>
+              <a:t>9/26/25 9:18 PM</a:t>
             </a:fld>
             <a:endParaRPr lang="en-US" dirty="0"/>
           </a:p>
@@ -1137,7 +1137,7 @@
           <a:p>
             <a:fld id="{542F96DF-134D-4F6A-BFA6-E032E504EEEB}" type="datetime8">
               <a:rPr lang="en-US" smtClean="0"/>
-              <a:t>8/29/25 12:01 AM</a:t>
+              <a:t>9/26/25 9:18 PM</a:t>
             </a:fld>
             <a:endParaRPr lang="en-US" dirty="0"/>
           </a:p>
@@ -1344,7 +1344,7 @@
           <a:p>
             <a:fld id="{542F96DF-134D-4F6A-BFA6-E032E504EEEB}" type="datetime8">
               <a:rPr lang="en-US" smtClean="0"/>
-              <a:t>8/29/25 12:01 AM</a:t>
+              <a:t>9/26/25 9:21 PM</a:t>
             </a:fld>
             <a:endParaRPr lang="en-US" dirty="0"/>
           </a:p>
@@ -1551,7 +1551,7 @@
           <a:p>
             <a:fld id="{542F96DF-134D-4F6A-BFA6-E032E504EEEB}" type="datetime8">
               <a:rPr lang="en-US" smtClean="0"/>
-              <a:t>8/29/25 12:01 AM</a:t>
+              <a:t>9/26/25 9:18 PM</a:t>
             </a:fld>
             <a:endParaRPr lang="en-US" dirty="0"/>
           </a:p>
@@ -1758,7 +1758,7 @@
           <a:p>
             <a:fld id="{542F96DF-134D-4F6A-BFA6-E032E504EEEB}" type="datetime8">
               <a:rPr lang="en-US" smtClean="0"/>
-              <a:t>8/29/25 12:01 AM</a:t>
+              <a:t>9/26/25 9:18 PM</a:t>
             </a:fld>
             <a:endParaRPr lang="en-US" dirty="0"/>
           </a:p>
@@ -14519,15 +14519,15 @@
           </p:cNvPr>
           <p:cNvCxnSpPr>
             <a:cxnSpLocks/>
-            <a:stCxn id="107" idx="0"/>
+            <a:stCxn id="7" idx="0"/>
             <a:endCxn id="92" idx="3"/>
           </p:cNvCxnSpPr>
           <p:nvPr/>
         </p:nvCxnSpPr>
         <p:spPr>
           <a:xfrm rot="16200000" flipV="1">
-            <a:off x="8429684" y="1272763"/>
-            <a:ext cx="2755649" cy="1846186"/>
+            <a:off x="9535919" y="166527"/>
+            <a:ext cx="531432" cy="1834440"/>
           </a:xfrm>
           <a:prstGeom prst="bentConnector2">
             <a:avLst/>
@@ -15889,7 +15889,7 @@
                     </a:glow>
                   </a:effectLst>
                 </a:rPr>
-                <a:t>authenticate</a:t>
+                <a:t>verify</a:t>
               </a:r>
             </a:p>
           </p:txBody>
@@ -16573,6 +16573,339 @@
           </p:txBody>
         </p:sp>
       </p:grpSp>
+      <p:sp>
+        <p:nvSpPr>
+          <p:cNvPr id="2" name="TextBox 1">
+            <a:extLst>
+              <a:ext uri="{FF2B5EF4-FFF2-40B4-BE49-F238E27FC236}">
+                <a16:creationId xmlns:a16="http://schemas.microsoft.com/office/drawing/2014/main" id="{EC83FCAB-1FB4-2B12-0177-506FFEA03380}"/>
+              </a:ext>
+            </a:extLst>
+          </p:cNvPr>
+          <p:cNvSpPr txBox="1"/>
+          <p:nvPr/>
+        </p:nvSpPr>
+        <p:spPr>
+          <a:xfrm>
+            <a:off x="178670" y="6248084"/>
+            <a:ext cx="5408532" cy="523220"/>
+          </a:xfrm>
+          <a:prstGeom prst="rect">
+            <a:avLst/>
+          </a:prstGeom>
+          <a:noFill/>
+        </p:spPr>
+        <p:txBody>
+          <a:bodyPr wrap="none" lIns="0" rIns="0" rtlCol="0">
+            <a:spAutoFit/>
+          </a:bodyPr>
+          <a:lstStyle/>
+          <a:p>
+            <a:pPr algn="l"/>
+            <a:r>
+              <a:rPr lang="en-GB" sz="2800" dirty="0">
+                <a:solidFill>
+                  <a:srgbClr val="FFFF00"/>
+                </a:solidFill>
+              </a:rPr>
+              <a:t>IDENTITY: Identity-bound Tokens</a:t>
+            </a:r>
+          </a:p>
+        </p:txBody>
+      </p:sp>
+      <p:grpSp>
+        <p:nvGrpSpPr>
+          <p:cNvPr id="3" name="Group 2">
+            <a:extLst>
+              <a:ext uri="{FF2B5EF4-FFF2-40B4-BE49-F238E27FC236}">
+                <a16:creationId xmlns:a16="http://schemas.microsoft.com/office/drawing/2014/main" id="{ECA2BECE-5C17-D038-7702-911FEC001054}"/>
+              </a:ext>
+            </a:extLst>
+          </p:cNvPr>
+          <p:cNvGrpSpPr/>
+          <p:nvPr/>
+        </p:nvGrpSpPr>
+        <p:grpSpPr>
+          <a:xfrm>
+            <a:off x="9780359" y="1349463"/>
+            <a:ext cx="1876991" cy="1014729"/>
+            <a:chOff x="3502202" y="1747544"/>
+            <a:chExt cx="1085694" cy="1014729"/>
+          </a:xfrm>
+        </p:grpSpPr>
+        <p:sp>
+          <p:nvSpPr>
+            <p:cNvPr id="4" name="Rectangle 3">
+              <a:extLst>
+                <a:ext uri="{FF2B5EF4-FFF2-40B4-BE49-F238E27FC236}">
+                  <a16:creationId xmlns:a16="http://schemas.microsoft.com/office/drawing/2014/main" id="{CE0C9B9B-FD64-F7E9-3760-4C1357E51CFE}"/>
+                </a:ext>
+              </a:extLst>
+            </p:cNvPr>
+            <p:cNvSpPr/>
+            <p:nvPr/>
+          </p:nvSpPr>
+          <p:spPr>
+            <a:xfrm>
+              <a:off x="3562600" y="2110844"/>
+              <a:ext cx="967800" cy="562183"/>
+            </a:xfrm>
+            <a:prstGeom prst="rect">
+              <a:avLst/>
+            </a:prstGeom>
+            <a:solidFill>
+              <a:schemeClr val="tx1">
+                <a:lumMod val="95000"/>
+              </a:schemeClr>
+            </a:solidFill>
+            <a:ln w="28575">
+              <a:solidFill>
+                <a:schemeClr val="tx1">
+                  <a:lumMod val="50000"/>
+                </a:schemeClr>
+              </a:solidFill>
+              <a:prstDash val="solid"/>
+            </a:ln>
+          </p:spPr>
+          <p:style>
+            <a:lnRef idx="2">
+              <a:schemeClr val="accent1">
+                <a:shade val="50000"/>
+              </a:schemeClr>
+            </a:lnRef>
+            <a:fillRef idx="1">
+              <a:schemeClr val="accent1"/>
+            </a:fillRef>
+            <a:effectRef idx="0">
+              <a:schemeClr val="accent1"/>
+            </a:effectRef>
+            <a:fontRef idx="minor">
+              <a:schemeClr val="lt1"/>
+            </a:fontRef>
+          </p:style>
+          <p:txBody>
+            <a:bodyPr lIns="144000" tIns="144000" rIns="144000" bIns="144000" anchor="ctr"/>
+            <a:lstStyle/>
+            <a:p>
+              <a:pPr>
+                <a:defRPr/>
+              </a:pPr>
+              <a:r>
+                <a:rPr lang="en-GB" sz="2400" dirty="0">
+                  <a:solidFill>
+                    <a:sysClr val="windowText" lastClr="000000"/>
+                  </a:solidFill>
+                  <a:latin typeface="+mj-lt"/>
+                  <a:cs typeface="Arial" panose="020B0604020202020204" pitchFamily="34" charset="0"/>
+                </a:rPr>
+                <a:t>     Broker</a:t>
+              </a:r>
+            </a:p>
+          </p:txBody>
+        </p:sp>
+        <p:sp>
+          <p:nvSpPr>
+            <p:cNvPr id="7" name="Rectangle 6">
+              <a:extLst>
+                <a:ext uri="{FF2B5EF4-FFF2-40B4-BE49-F238E27FC236}">
+                  <a16:creationId xmlns:a16="http://schemas.microsoft.com/office/drawing/2014/main" id="{0DB3346E-125B-5A6B-D962-12D2343E04EF}"/>
+                </a:ext>
+              </a:extLst>
+            </p:cNvPr>
+            <p:cNvSpPr/>
+            <p:nvPr/>
+          </p:nvSpPr>
+          <p:spPr>
+            <a:xfrm>
+              <a:off x="3502202" y="1747544"/>
+              <a:ext cx="1085694" cy="1014729"/>
+            </a:xfrm>
+            <a:prstGeom prst="rect">
+              <a:avLst/>
+            </a:prstGeom>
+            <a:noFill/>
+            <a:ln w="12700">
+              <a:solidFill>
+                <a:srgbClr val="5A6B86"/>
+              </a:solidFill>
+              <a:prstDash val="dash"/>
+            </a:ln>
+          </p:spPr>
+          <p:style>
+            <a:lnRef idx="2">
+              <a:schemeClr val="accent1">
+                <a:shade val="50000"/>
+              </a:schemeClr>
+            </a:lnRef>
+            <a:fillRef idx="1">
+              <a:schemeClr val="accent1"/>
+            </a:fillRef>
+            <a:effectRef idx="0">
+              <a:schemeClr val="accent1"/>
+            </a:effectRef>
+            <a:fontRef idx="minor">
+              <a:schemeClr val="lt1"/>
+            </a:fontRef>
+          </p:style>
+          <p:txBody>
+            <a:bodyPr tIns="36000"/>
+            <a:lstStyle/>
+            <a:p>
+              <a:pPr eaLnBrk="1" fontAlgn="auto" hangingPunct="1">
+                <a:spcBef>
+                  <a:spcPts val="0"/>
+                </a:spcBef>
+                <a:spcAft>
+                  <a:spcPts val="0"/>
+                </a:spcAft>
+                <a:defRPr/>
+              </a:pPr>
+              <a:r>
+                <a:rPr lang="en-GB" sz="2000" dirty="0">
+                  <a:solidFill>
+                    <a:schemeClr val="bg2">
+                      <a:lumMod val="40000"/>
+                      <a:lumOff val="60000"/>
+                    </a:schemeClr>
+                  </a:solidFill>
+                  <a:effectLst>
+                    <a:glow>
+                      <a:schemeClr val="bg1"/>
+                    </a:glow>
+                  </a:effectLst>
+                </a:rPr>
+                <a:t>👥</a:t>
+              </a:r>
+              <a:r>
+                <a:rPr lang="en-GB" sz="2000" i="1" dirty="0">
+                  <a:solidFill>
+                    <a:schemeClr val="bg2">
+                      <a:lumMod val="40000"/>
+                      <a:lumOff val="60000"/>
+                    </a:schemeClr>
+                  </a:solidFill>
+                  <a:effectLst>
+                    <a:glow>
+                      <a:schemeClr val="bg1"/>
+                    </a:glow>
+                  </a:effectLst>
+                </a:rPr>
+                <a:t> </a:t>
+              </a:r>
+              <a:r>
+                <a:rPr lang="en-US" sz="2000" i="1" dirty="0">
+                  <a:solidFill>
+                    <a:schemeClr val="bg2">
+                      <a:lumMod val="40000"/>
+                      <a:lumOff val="60000"/>
+                    </a:schemeClr>
+                  </a:solidFill>
+                  <a:effectLst>
+                    <a:glow>
+                      <a:schemeClr val="bg1"/>
+                    </a:glow>
+                  </a:effectLst>
+                </a:rPr>
+                <a:t>domain</a:t>
+              </a:r>
+            </a:p>
+          </p:txBody>
+        </p:sp>
+      </p:grpSp>
+      <p:sp>
+        <p:nvSpPr>
+          <p:cNvPr id="13" name="TextBox 12">
+            <a:extLst>
+              <a:ext uri="{FF2B5EF4-FFF2-40B4-BE49-F238E27FC236}">
+                <a16:creationId xmlns:a16="http://schemas.microsoft.com/office/drawing/2014/main" id="{B85FD867-8DC5-08DB-BCF7-286D04D3BB79}"/>
+              </a:ext>
+            </a:extLst>
+          </p:cNvPr>
+          <p:cNvSpPr txBox="1"/>
+          <p:nvPr/>
+        </p:nvSpPr>
+        <p:spPr>
+          <a:xfrm>
+            <a:off x="9849882" y="1535867"/>
+            <a:ext cx="666871" cy="923330"/>
+          </a:xfrm>
+          <a:prstGeom prst="rect">
+            <a:avLst/>
+          </a:prstGeom>
+          <a:noFill/>
+        </p:spPr>
+        <p:txBody>
+          <a:bodyPr wrap="square">
+            <a:spAutoFit/>
+          </a:bodyPr>
+          <a:lstStyle/>
+          <a:p>
+            <a:r>
+              <a:rPr lang="en-GB" sz="5400" baseline="-9000" dirty="0">
+                <a:solidFill>
+                  <a:schemeClr val="bg2">
+                    <a:lumMod val="40000"/>
+                    <a:lumOff val="60000"/>
+                  </a:schemeClr>
+                </a:solidFill>
+                <a:effectLst>
+                  <a:glow>
+                    <a:schemeClr val="bg1"/>
+                  </a:glow>
+                </a:effectLst>
+              </a:rPr>
+              <a:t>🤵</a:t>
+            </a:r>
+            <a:endParaRPr lang="en-US" sz="5400" dirty="0"/>
+          </a:p>
+        </p:txBody>
+      </p:sp>
+      <p:cxnSp>
+        <p:nvCxnSpPr>
+          <p:cNvPr id="17" name="Straight Arrow Connector 12">
+            <a:extLst>
+              <a:ext uri="{FF2B5EF4-FFF2-40B4-BE49-F238E27FC236}">
+                <a16:creationId xmlns:a16="http://schemas.microsoft.com/office/drawing/2014/main" id="{BB5C7F49-6D77-E5E4-27C5-EA0D8129CFC2}"/>
+              </a:ext>
+            </a:extLst>
+          </p:cNvPr>
+          <p:cNvCxnSpPr>
+            <a:cxnSpLocks/>
+            <a:stCxn id="107" idx="0"/>
+            <a:endCxn id="7" idx="2"/>
+          </p:cNvCxnSpPr>
+          <p:nvPr/>
+        </p:nvCxnSpPr>
+        <p:spPr>
+          <a:xfrm flipH="1" flipV="1">
+            <a:off x="10718855" y="2364192"/>
+            <a:ext cx="11746" cy="1209488"/>
+          </a:xfrm>
+          <a:prstGeom prst="straightConnector1">
+            <a:avLst/>
+          </a:prstGeom>
+          <a:ln>
+            <a:solidFill>
+              <a:schemeClr val="tx1"/>
+            </a:solidFill>
+            <a:tailEnd type="triangle" w="lg" len="lg"/>
+          </a:ln>
+        </p:spPr>
+        <p:style>
+          <a:lnRef idx="3">
+            <a:schemeClr val="accent2"/>
+          </a:lnRef>
+          <a:fillRef idx="0">
+            <a:schemeClr val="accent2"/>
+          </a:fillRef>
+          <a:effectRef idx="2">
+            <a:schemeClr val="accent2"/>
+          </a:effectRef>
+          <a:fontRef idx="minor">
+            <a:schemeClr val="tx1"/>
+          </a:fontRef>
+        </p:style>
+      </p:cxnSp>
       <p:grpSp>
         <p:nvGrpSpPr>
           <p:cNvPr id="147" name="Group 146">
@@ -16587,7 +16920,7 @@
         </p:nvGrpSpPr>
         <p:grpSpPr>
           <a:xfrm>
-            <a:off x="10084390" y="871792"/>
+            <a:off x="10076904" y="2662756"/>
             <a:ext cx="1292421" cy="523220"/>
             <a:chOff x="9671144" y="2247111"/>
             <a:chExt cx="1292421" cy="523220"/>
@@ -16764,46 +17097,6 @@
           </p:txBody>
         </p:sp>
       </p:grpSp>
-      <p:sp>
-        <p:nvSpPr>
-          <p:cNvPr id="2" name="TextBox 1">
-            <a:extLst>
-              <a:ext uri="{FF2B5EF4-FFF2-40B4-BE49-F238E27FC236}">
-                <a16:creationId xmlns:a16="http://schemas.microsoft.com/office/drawing/2014/main" id="{EC83FCAB-1FB4-2B12-0177-506FFEA03380}"/>
-              </a:ext>
-            </a:extLst>
-          </p:cNvPr>
-          <p:cNvSpPr txBox="1"/>
-          <p:nvPr/>
-        </p:nvSpPr>
-        <p:spPr>
-          <a:xfrm>
-            <a:off x="178670" y="6248084"/>
-            <a:ext cx="5408532" cy="523220"/>
-          </a:xfrm>
-          <a:prstGeom prst="rect">
-            <a:avLst/>
-          </a:prstGeom>
-          <a:noFill/>
-        </p:spPr>
-        <p:txBody>
-          <a:bodyPr wrap="none" lIns="0" rIns="0" rtlCol="0">
-            <a:spAutoFit/>
-          </a:bodyPr>
-          <a:lstStyle/>
-          <a:p>
-            <a:pPr algn="l"/>
-            <a:r>
-              <a:rPr lang="en-GB" sz="2800" dirty="0">
-                <a:solidFill>
-                  <a:srgbClr val="FFFF00"/>
-                </a:solidFill>
-              </a:rPr>
-              <a:t>IDENTITY: Identity-bound Tokens</a:t>
-            </a:r>
-          </a:p>
-        </p:txBody>
-      </p:sp>
     </p:spTree>
     <p:extLst>
       <p:ext uri="{BB962C8B-B14F-4D97-AF65-F5344CB8AC3E}">
